--- a/documentation/PPE - Gestion du personnel des ligues.pptx
+++ b/documentation/PPE - Gestion du personnel des ligues.pptx
@@ -13,6 +13,8 @@
     <p:sldId id="263" r:id="rId7"/>
     <p:sldId id="261" r:id="rId8"/>
     <p:sldId id="262" r:id="rId9"/>
+    <p:sldId id="264" r:id="rId10"/>
+    <p:sldId id="265" r:id="rId11"/>
   </p:sldIdLst>
   <p:sldSz cx="12192000" cy="6858000"/>
   <p:notesSz cx="6858000" cy="9144000"/>
@@ -357,7 +359,7 @@
           <a:p>
             <a:fld id="{ED291B17-9318-49DB-B28B-6E5994AE9581}" type="datetime1">
               <a:rPr lang="en-US" smtClean="0"/>
-              <a:t>2/28/2020</a:t>
+              <a:t>3/27/2020</a:t>
             </a:fld>
             <a:endParaRPr lang="en-US" dirty="0"/>
           </a:p>
@@ -560,7 +562,7 @@
           <a:p>
             <a:fld id="{2CED4963-E985-44C4-B8C4-FDD613B7C2F8}" type="datetime1">
               <a:rPr lang="en-US" smtClean="0"/>
-              <a:t>2/28/2020</a:t>
+              <a:t>3/27/2020</a:t>
             </a:fld>
             <a:endParaRPr lang="en-US" dirty="0"/>
           </a:p>
@@ -922,7 +924,7 @@
           <a:p>
             <a:fld id="{ED291B17-9318-49DB-B28B-6E5994AE9581}" type="datetime1">
               <a:rPr lang="en-US" smtClean="0"/>
-              <a:t>2/28/2020</a:t>
+              <a:t>3/27/2020</a:t>
             </a:fld>
             <a:endParaRPr lang="en-US" dirty="0"/>
           </a:p>
@@ -1120,7 +1122,7 @@
           <a:p>
             <a:fld id="{78DD82B9-B8EE-4375-B6FF-88FA6ABB15D9}" type="datetime1">
               <a:rPr lang="en-US" smtClean="0"/>
-              <a:t>2/28/2020</a:t>
+              <a:t>3/27/2020</a:t>
             </a:fld>
             <a:endParaRPr lang="en-US" dirty="0"/>
           </a:p>
@@ -1432,7 +1434,7 @@
           <a:p>
             <a:fld id="{B2497495-0637-405E-AE64-5CC7506D51F5}" type="datetime1">
               <a:rPr lang="en-US" smtClean="0"/>
-              <a:t>2/28/2020</a:t>
+              <a:t>3/27/2020</a:t>
             </a:fld>
             <a:endParaRPr lang="en-US" dirty="0"/>
           </a:p>
@@ -1685,7 +1687,7 @@
           <a:p>
             <a:fld id="{7BFFD690-9426-415D-8B65-26881E07B2D4}" type="datetime1">
               <a:rPr lang="en-US" smtClean="0"/>
-              <a:t>2/28/2020</a:t>
+              <a:t>3/27/2020</a:t>
             </a:fld>
             <a:endParaRPr lang="en-US" dirty="0"/>
           </a:p>
@@ -2107,7 +2109,7 @@
           <a:p>
             <a:fld id="{04C4989A-474C-40DE-95B9-011C28B71673}" type="datetime1">
               <a:rPr lang="en-US" smtClean="0"/>
-              <a:t>2/28/2020</a:t>
+              <a:t>3/27/2020</a:t>
             </a:fld>
             <a:endParaRPr lang="en-US" dirty="0"/>
           </a:p>
@@ -2230,7 +2232,7 @@
           <a:p>
             <a:fld id="{5DB4ED54-5B5E-4A04-93D3-5772E3CE3818}" type="datetime1">
               <a:rPr lang="en-US" smtClean="0"/>
-              <a:t>2/28/2020</a:t>
+              <a:t>3/27/2020</a:t>
             </a:fld>
             <a:endParaRPr lang="en-US" dirty="0"/>
           </a:p>
@@ -2325,7 +2327,7 @@
           <a:p>
             <a:fld id="{4EDE50D6-574B-40AF-946F-D52A04ADE379}" type="datetime1">
               <a:rPr lang="en-US" smtClean="0"/>
-              <a:t>2/28/2020</a:t>
+              <a:t>3/27/2020</a:t>
             </a:fld>
             <a:endParaRPr lang="en-US" dirty="0"/>
           </a:p>
@@ -2702,7 +2704,7 @@
           <a:p>
             <a:fld id="{D82884F1-FFEA-405F-9602-3DCA865EDA4E}" type="datetime1">
               <a:rPr lang="en-US" smtClean="0"/>
-              <a:t>2/28/2020</a:t>
+              <a:t>3/27/2020</a:t>
             </a:fld>
             <a:endParaRPr lang="en-US" dirty="0"/>
           </a:p>
@@ -2995,7 +2997,7 @@
           <a:p>
             <a:fld id="{7E18DB4A-8810-4A10-AD5C-D5E2C667F5B3}" type="datetime1">
               <a:rPr lang="en-US" smtClean="0"/>
-              <a:t>2/28/2020</a:t>
+              <a:t>3/27/2020</a:t>
             </a:fld>
             <a:endParaRPr lang="en-US" dirty="0"/>
           </a:p>
@@ -3210,7 +3212,7 @@
           <a:p>
             <a:fld id="{ED291B17-9318-49DB-B28B-6E5994AE9581}" type="datetime1">
               <a:rPr lang="en-US" smtClean="0"/>
-              <a:t>2/28/2020</a:t>
+              <a:t>3/27/2020</a:t>
             </a:fld>
             <a:endParaRPr lang="en-US" dirty="0"/>
           </a:p>
@@ -4039,6 +4041,143 @@
 </p:sld>
 </file>
 
+<file path=ppt/slides/slide10.xml><?xml version="1.0" encoding="utf-8"?>
+<p:sld xmlns:a="http://schemas.openxmlformats.org/drawingml/2006/main" xmlns:r="http://schemas.openxmlformats.org/officeDocument/2006/relationships" xmlns:p="http://schemas.openxmlformats.org/presentationml/2006/main">
+  <p:cSld>
+    <p:spTree>
+      <p:nvGrpSpPr>
+        <p:cNvPr id="1" name=""/>
+        <p:cNvGrpSpPr/>
+        <p:nvPr/>
+      </p:nvGrpSpPr>
+      <p:grpSpPr>
+        <a:xfrm>
+          <a:off x="0" y="0"/>
+          <a:ext cx="0" cy="0"/>
+          <a:chOff x="0" y="0"/>
+          <a:chExt cx="0" cy="0"/>
+        </a:xfrm>
+      </p:grpSpPr>
+      <p:sp>
+        <p:nvSpPr>
+          <p:cNvPr id="2" name="Titre 1">
+            <a:extLst>
+              <a:ext uri="{FF2B5EF4-FFF2-40B4-BE49-F238E27FC236}">
+                <a16:creationId xmlns:a16="http://schemas.microsoft.com/office/drawing/2014/main" id="{83755649-C508-4AE5-802F-D5F7CC504548}"/>
+              </a:ext>
+            </a:extLst>
+          </p:cNvPr>
+          <p:cNvSpPr>
+            <a:spLocks noGrp="1"/>
+          </p:cNvSpPr>
+          <p:nvPr>
+            <p:ph type="title"/>
+          </p:nvPr>
+        </p:nvSpPr>
+        <p:spPr/>
+        <p:txBody>
+          <a:bodyPr>
+            <a:normAutofit fontScale="90000"/>
+          </a:bodyPr>
+          <a:lstStyle/>
+          <a:p>
+            <a:r>
+              <a:rPr lang="fr-FR" dirty="0"/>
+              <a:t>Création d’une classe fille pour gérer la connexion à la base de données </a:t>
+            </a:r>
+            <a:r>
+              <a:rPr lang="fr-FR"/>
+              <a:t>avec JDBC et Installation de la BDD sur le serveur(172.16.0.2)</a:t>
+            </a:r>
+            <a:endParaRPr lang="fr-FR" dirty="0"/>
+          </a:p>
+        </p:txBody>
+      </p:sp>
+      <p:pic>
+        <p:nvPicPr>
+          <p:cNvPr id="4" name="Image 3">
+            <a:extLst>
+              <a:ext uri="{FF2B5EF4-FFF2-40B4-BE49-F238E27FC236}">
+                <a16:creationId xmlns:a16="http://schemas.microsoft.com/office/drawing/2014/main" id="{1903A24A-6B10-4A05-98CB-061E06965CB9}"/>
+              </a:ext>
+            </a:extLst>
+          </p:cNvPr>
+          <p:cNvPicPr>
+            <a:picLocks noChangeAspect="1"/>
+          </p:cNvPicPr>
+          <p:nvPr/>
+        </p:nvPicPr>
+        <p:blipFill>
+          <a:blip r:embed="rId2">
+            <a:extLst>
+              <a:ext uri="{28A0092B-C50C-407E-A947-70E740481C1C}">
+                <a14:useLocalDpi xmlns:a14="http://schemas.microsoft.com/office/drawing/2010/main" val="0"/>
+              </a:ext>
+            </a:extLst>
+          </a:blip>
+          <a:stretch>
+            <a:fillRect/>
+          </a:stretch>
+        </p:blipFill>
+        <p:spPr>
+          <a:xfrm>
+            <a:off x="107799" y="1958848"/>
+            <a:ext cx="5880402" cy="4476980"/>
+          </a:xfrm>
+          <a:prstGeom prst="rect">
+            <a:avLst/>
+          </a:prstGeom>
+        </p:spPr>
+      </p:pic>
+      <p:pic>
+        <p:nvPicPr>
+          <p:cNvPr id="6" name="Image 5">
+            <a:extLst>
+              <a:ext uri="{FF2B5EF4-FFF2-40B4-BE49-F238E27FC236}">
+                <a16:creationId xmlns:a16="http://schemas.microsoft.com/office/drawing/2014/main" id="{86CF4BED-A535-4505-BE72-343BA9914366}"/>
+              </a:ext>
+            </a:extLst>
+          </p:cNvPr>
+          <p:cNvPicPr>
+            <a:picLocks noChangeAspect="1"/>
+          </p:cNvPicPr>
+          <p:nvPr/>
+        </p:nvPicPr>
+        <p:blipFill>
+          <a:blip r:embed="rId3">
+            <a:extLst>
+              <a:ext uri="{28A0092B-C50C-407E-A947-70E740481C1C}">
+                <a14:useLocalDpi xmlns:a14="http://schemas.microsoft.com/office/drawing/2010/main" val="0"/>
+              </a:ext>
+            </a:extLst>
+          </a:blip>
+          <a:stretch>
+            <a:fillRect/>
+          </a:stretch>
+        </p:blipFill>
+        <p:spPr>
+          <a:xfrm>
+            <a:off x="5988201" y="1958848"/>
+            <a:ext cx="5835950" cy="4476980"/>
+          </a:xfrm>
+          <a:prstGeom prst="rect">
+            <a:avLst/>
+          </a:prstGeom>
+        </p:spPr>
+      </p:pic>
+    </p:spTree>
+    <p:extLst>
+      <p:ext uri="{BB962C8B-B14F-4D97-AF65-F5344CB8AC3E}">
+        <p14:creationId xmlns:p14="http://schemas.microsoft.com/office/powerpoint/2010/main" val="2868563465"/>
+      </p:ext>
+    </p:extLst>
+  </p:cSld>
+  <p:clrMapOvr>
+    <a:masterClrMapping/>
+  </p:clrMapOvr>
+</p:sld>
+</file>
+
 <file path=ppt/slides/slide2.xml><?xml version="1.0" encoding="utf-8"?>
 <p:sld xmlns:a="http://schemas.openxmlformats.org/drawingml/2006/main" xmlns:r="http://schemas.openxmlformats.org/officeDocument/2006/relationships" xmlns:p="http://schemas.openxmlformats.org/presentationml/2006/main">
   <p:cSld>
@@ -4131,67 +4270,6 @@
           </a:p>
         </p:txBody>
       </p:sp>
-      <p:sp>
-        <p:nvSpPr>
-          <p:cNvPr id="7" name="ZoneTexte 6">
-            <a:extLst>
-              <a:ext uri="{FF2B5EF4-FFF2-40B4-BE49-F238E27FC236}">
-                <a16:creationId xmlns:a16="http://schemas.microsoft.com/office/drawing/2014/main" id="{2D7FA294-CCEB-4C9E-A19F-C1173B6ED2E7}"/>
-              </a:ext>
-            </a:extLst>
-          </p:cNvPr>
-          <p:cNvSpPr txBox="1"/>
-          <p:nvPr/>
-        </p:nvSpPr>
-        <p:spPr>
-          <a:xfrm>
-            <a:off x="7919634" y="1513735"/>
-            <a:ext cx="4163096" cy="3170099"/>
-          </a:xfrm>
-          <a:prstGeom prst="rect">
-            <a:avLst/>
-          </a:prstGeom>
-          <a:noFill/>
-        </p:spPr>
-        <p:txBody>
-          <a:bodyPr wrap="square" rtlCol="0">
-            <a:spAutoFit/>
-          </a:bodyPr>
-          <a:lstStyle/>
-          <a:p>
-            <a:r>
-              <a:rPr lang="fr-FR" sz="2000" dirty="0"/>
-              <a:t>Un employé appartient à 1 seule ligue.</a:t>
-            </a:r>
-          </a:p>
-          <a:p>
-            <a:endParaRPr lang="fr-FR" sz="2000" dirty="0"/>
-          </a:p>
-          <a:p>
-            <a:r>
-              <a:rPr lang="fr-FR" sz="2000" dirty="0"/>
-              <a:t>1 ligue peut avoir aucun 1 ou plusieurs employés. Et a un seul administrateur.</a:t>
-            </a:r>
-          </a:p>
-          <a:p>
-            <a:endParaRPr lang="fr-FR" sz="2000" dirty="0"/>
-          </a:p>
-          <a:p>
-            <a:r>
-              <a:rPr lang="fr-FR" sz="2000" dirty="0"/>
-              <a:t>Le super-</a:t>
-            </a:r>
-            <a:r>
-              <a:rPr lang="fr-FR" sz="2000" dirty="0" err="1"/>
-              <a:t>admininstrateur</a:t>
-            </a:r>
-            <a:r>
-              <a:rPr lang="fr-FR" sz="2000" dirty="0"/>
-              <a:t> a accès en écriture à tous les employés des ligues.</a:t>
-            </a:r>
-          </a:p>
-        </p:txBody>
-      </p:sp>
       <p:pic>
         <p:nvPicPr>
           <p:cNvPr id="5" name="Image 4">
@@ -4220,7 +4298,7 @@
         </p:blipFill>
         <p:spPr>
           <a:xfrm>
-            <a:off x="680669" y="1711480"/>
+            <a:off x="2928569" y="1642340"/>
             <a:ext cx="5558206" cy="3315975"/>
           </a:xfrm>
           <a:prstGeom prst="rect">
@@ -4386,10 +4464,10 @@
       </p:sp>
       <p:pic>
         <p:nvPicPr>
-          <p:cNvPr id="6" name="Image 5">
+          <p:cNvPr id="8" name="Image 7">
             <a:extLst>
               <a:ext uri="{FF2B5EF4-FFF2-40B4-BE49-F238E27FC236}">
-                <a16:creationId xmlns:a16="http://schemas.microsoft.com/office/drawing/2014/main" id="{BC490AC1-278B-49A6-B89D-902B60CFDA91}"/>
+                <a16:creationId xmlns:a16="http://schemas.microsoft.com/office/drawing/2014/main" id="{FBCE9215-CA47-4216-9997-A03EA6DE2BF3}"/>
               </a:ext>
             </a:extLst>
           </p:cNvPr>
@@ -4412,8 +4490,8 @@
         </p:blipFill>
         <p:spPr>
           <a:xfrm>
-            <a:off x="295442" y="1471491"/>
-            <a:ext cx="11448883" cy="5216519"/>
+            <a:off x="361950" y="1152524"/>
+            <a:ext cx="11333510" cy="4987925"/>
           </a:xfrm>
           <a:prstGeom prst="rect">
             <a:avLst/>
@@ -5710,6 +5788,100 @@
     <p:extLst>
       <p:ext uri="{BB962C8B-B14F-4D97-AF65-F5344CB8AC3E}">
         <p14:creationId xmlns:p14="http://schemas.microsoft.com/office/powerpoint/2010/main" val="3357593329"/>
+      </p:ext>
+    </p:extLst>
+  </p:cSld>
+  <p:clrMapOvr>
+    <a:masterClrMapping/>
+  </p:clrMapOvr>
+</p:sld>
+</file>
+
+<file path=ppt/slides/slide9.xml><?xml version="1.0" encoding="utf-8"?>
+<p:sld xmlns:a="http://schemas.openxmlformats.org/drawingml/2006/main" xmlns:r="http://schemas.openxmlformats.org/officeDocument/2006/relationships" xmlns:p="http://schemas.openxmlformats.org/presentationml/2006/main">
+  <p:cSld>
+    <p:spTree>
+      <p:nvGrpSpPr>
+        <p:cNvPr id="1" name=""/>
+        <p:cNvGrpSpPr/>
+        <p:nvPr/>
+      </p:nvGrpSpPr>
+      <p:grpSpPr>
+        <a:xfrm>
+          <a:off x="0" y="0"/>
+          <a:ext cx="0" cy="0"/>
+          <a:chOff x="0" y="0"/>
+          <a:chExt cx="0" cy="0"/>
+        </a:xfrm>
+      </p:grpSpPr>
+      <p:sp>
+        <p:nvSpPr>
+          <p:cNvPr id="2" name="Titre 1">
+            <a:extLst>
+              <a:ext uri="{FF2B5EF4-FFF2-40B4-BE49-F238E27FC236}">
+                <a16:creationId xmlns:a16="http://schemas.microsoft.com/office/drawing/2014/main" id="{A8799EF9-5C81-4407-B35F-7589030A1C00}"/>
+              </a:ext>
+            </a:extLst>
+          </p:cNvPr>
+          <p:cNvSpPr>
+            <a:spLocks noGrp="1"/>
+          </p:cNvSpPr>
+          <p:nvPr>
+            <p:ph type="title"/>
+          </p:nvPr>
+        </p:nvSpPr>
+        <p:spPr/>
+        <p:txBody>
+          <a:bodyPr/>
+          <a:lstStyle/>
+          <a:p>
+            <a:r>
+              <a:rPr lang="fr-FR" dirty="0"/>
+              <a:t>Modélisation de l’interface graphique avec des maquettes</a:t>
+            </a:r>
+          </a:p>
+        </p:txBody>
+      </p:sp>
+      <p:pic>
+        <p:nvPicPr>
+          <p:cNvPr id="4" name="Image 3">
+            <a:extLst>
+              <a:ext uri="{FF2B5EF4-FFF2-40B4-BE49-F238E27FC236}">
+                <a16:creationId xmlns:a16="http://schemas.microsoft.com/office/drawing/2014/main" id="{955EC12C-8063-4960-ADDF-2AD86C0CB2B6}"/>
+              </a:ext>
+            </a:extLst>
+          </p:cNvPr>
+          <p:cNvPicPr>
+            <a:picLocks noChangeAspect="1"/>
+          </p:cNvPicPr>
+          <p:nvPr/>
+        </p:nvPicPr>
+        <p:blipFill>
+          <a:blip r:embed="rId2">
+            <a:extLst>
+              <a:ext uri="{28A0092B-C50C-407E-A947-70E740481C1C}">
+                <a14:useLocalDpi xmlns:a14="http://schemas.microsoft.com/office/drawing/2010/main" val="0"/>
+              </a:ext>
+            </a:extLst>
+          </a:blip>
+          <a:stretch>
+            <a:fillRect/>
+          </a:stretch>
+        </p:blipFill>
+        <p:spPr>
+          <a:xfrm>
+            <a:off x="1209441" y="1847723"/>
+            <a:ext cx="9087317" cy="4915153"/>
+          </a:xfrm>
+          <a:prstGeom prst="rect">
+            <a:avLst/>
+          </a:prstGeom>
+        </p:spPr>
+      </p:pic>
+    </p:spTree>
+    <p:extLst>
+      <p:ext uri="{BB962C8B-B14F-4D97-AF65-F5344CB8AC3E}">
+        <p14:creationId xmlns:p14="http://schemas.microsoft.com/office/powerpoint/2010/main" val="94133775"/>
       </p:ext>
     </p:extLst>
   </p:cSld>
